--- a/Tableau/example3/Tableau_예제3_테이블계산.pptx
+++ b/Tableau/example3/Tableau_예제3_테이블계산.pptx
@@ -8,6 +8,12 @@
     <p:sldId id="256" r:id="rId2"/>
     <p:sldId id="257" r:id="rId3"/>
     <p:sldId id="258" r:id="rId4"/>
+    <p:sldId id="259" r:id="rId5"/>
+    <p:sldId id="261" r:id="rId6"/>
+    <p:sldId id="260" r:id="rId7"/>
+    <p:sldId id="262" r:id="rId8"/>
+    <p:sldId id="263" r:id="rId9"/>
+    <p:sldId id="264" r:id="rId10"/>
   </p:sldIdLst>
   <p:sldSz cx="12192000" cy="6858000"/>
   <p:notesSz cx="6858000" cy="9144000"/>
@@ -245,7 +251,7 @@
           <a:p>
             <a:fld id="{4553BA49-A44D-4E86-92CF-51AE8EF27D66}" type="datetimeFigureOut">
               <a:rPr lang="ko-KR" altLang="en-US" smtClean="0"/>
-              <a:t>2023-06-12</a:t>
+              <a:t>2023-06-14</a:t>
             </a:fld>
             <a:endParaRPr lang="ko-KR" altLang="en-US"/>
           </a:p>
@@ -415,7 +421,7 @@
           <a:p>
             <a:fld id="{4553BA49-A44D-4E86-92CF-51AE8EF27D66}" type="datetimeFigureOut">
               <a:rPr lang="ko-KR" altLang="en-US" smtClean="0"/>
-              <a:t>2023-06-12</a:t>
+              <a:t>2023-06-14</a:t>
             </a:fld>
             <a:endParaRPr lang="ko-KR" altLang="en-US"/>
           </a:p>
@@ -595,7 +601,7 @@
           <a:p>
             <a:fld id="{4553BA49-A44D-4E86-92CF-51AE8EF27D66}" type="datetimeFigureOut">
               <a:rPr lang="ko-KR" altLang="en-US" smtClean="0"/>
-              <a:t>2023-06-12</a:t>
+              <a:t>2023-06-14</a:t>
             </a:fld>
             <a:endParaRPr lang="ko-KR" altLang="en-US"/>
           </a:p>
@@ -765,7 +771,7 @@
           <a:p>
             <a:fld id="{4553BA49-A44D-4E86-92CF-51AE8EF27D66}" type="datetimeFigureOut">
               <a:rPr lang="ko-KR" altLang="en-US" smtClean="0"/>
-              <a:t>2023-06-12</a:t>
+              <a:t>2023-06-14</a:t>
             </a:fld>
             <a:endParaRPr lang="ko-KR" altLang="en-US"/>
           </a:p>
@@ -1011,7 +1017,7 @@
           <a:p>
             <a:fld id="{4553BA49-A44D-4E86-92CF-51AE8EF27D66}" type="datetimeFigureOut">
               <a:rPr lang="ko-KR" altLang="en-US" smtClean="0"/>
-              <a:t>2023-06-12</a:t>
+              <a:t>2023-06-14</a:t>
             </a:fld>
             <a:endParaRPr lang="ko-KR" altLang="en-US"/>
           </a:p>
@@ -1243,7 +1249,7 @@
           <a:p>
             <a:fld id="{4553BA49-A44D-4E86-92CF-51AE8EF27D66}" type="datetimeFigureOut">
               <a:rPr lang="ko-KR" altLang="en-US" smtClean="0"/>
-              <a:t>2023-06-12</a:t>
+              <a:t>2023-06-14</a:t>
             </a:fld>
             <a:endParaRPr lang="ko-KR" altLang="en-US"/>
           </a:p>
@@ -1610,7 +1616,7 @@
           <a:p>
             <a:fld id="{4553BA49-A44D-4E86-92CF-51AE8EF27D66}" type="datetimeFigureOut">
               <a:rPr lang="ko-KR" altLang="en-US" smtClean="0"/>
-              <a:t>2023-06-12</a:t>
+              <a:t>2023-06-14</a:t>
             </a:fld>
             <a:endParaRPr lang="ko-KR" altLang="en-US"/>
           </a:p>
@@ -1728,7 +1734,7 @@
           <a:p>
             <a:fld id="{4553BA49-A44D-4E86-92CF-51AE8EF27D66}" type="datetimeFigureOut">
               <a:rPr lang="ko-KR" altLang="en-US" smtClean="0"/>
-              <a:t>2023-06-12</a:t>
+              <a:t>2023-06-14</a:t>
             </a:fld>
             <a:endParaRPr lang="ko-KR" altLang="en-US"/>
           </a:p>
@@ -1823,7 +1829,7 @@
           <a:p>
             <a:fld id="{4553BA49-A44D-4E86-92CF-51AE8EF27D66}" type="datetimeFigureOut">
               <a:rPr lang="ko-KR" altLang="en-US" smtClean="0"/>
-              <a:t>2023-06-12</a:t>
+              <a:t>2023-06-14</a:t>
             </a:fld>
             <a:endParaRPr lang="ko-KR" altLang="en-US"/>
           </a:p>
@@ -2100,7 +2106,7 @@
           <a:p>
             <a:fld id="{4553BA49-A44D-4E86-92CF-51AE8EF27D66}" type="datetimeFigureOut">
               <a:rPr lang="ko-KR" altLang="en-US" smtClean="0"/>
-              <a:t>2023-06-12</a:t>
+              <a:t>2023-06-14</a:t>
             </a:fld>
             <a:endParaRPr lang="ko-KR" altLang="en-US"/>
           </a:p>
@@ -2353,7 +2359,7 @@
           <a:p>
             <a:fld id="{4553BA49-A44D-4E86-92CF-51AE8EF27D66}" type="datetimeFigureOut">
               <a:rPr lang="ko-KR" altLang="en-US" smtClean="0"/>
-              <a:t>2023-06-12</a:t>
+              <a:t>2023-06-14</a:t>
             </a:fld>
             <a:endParaRPr lang="ko-KR" altLang="en-US"/>
           </a:p>
@@ -2566,7 +2572,7 @@
           <a:p>
             <a:fld id="{4553BA49-A44D-4E86-92CF-51AE8EF27D66}" type="datetimeFigureOut">
               <a:rPr lang="ko-KR" altLang="en-US" smtClean="0"/>
-              <a:t>2023-06-12</a:t>
+              <a:t>2023-06-14</a:t>
             </a:fld>
             <a:endParaRPr lang="ko-KR" altLang="en-US"/>
           </a:p>
@@ -3468,6 +3474,1111 @@
 </p:sld>
 </file>
 
+<file path=ppt/slides/slide4.xml><?xml version="1.0" encoding="utf-8"?>
+<p:sld xmlns:a="http://schemas.openxmlformats.org/drawingml/2006/main" xmlns:r="http://schemas.openxmlformats.org/officeDocument/2006/relationships" xmlns:p="http://schemas.openxmlformats.org/presentationml/2006/main">
+  <p:cSld>
+    <p:spTree>
+      <p:nvGrpSpPr>
+        <p:cNvPr id="1" name=""/>
+        <p:cNvGrpSpPr/>
+        <p:nvPr/>
+      </p:nvGrpSpPr>
+      <p:grpSpPr>
+        <a:xfrm>
+          <a:off x="0" y="0"/>
+          <a:ext cx="0" cy="0"/>
+          <a:chOff x="0" y="0"/>
+          <a:chExt cx="0" cy="0"/>
+        </a:xfrm>
+      </p:grpSpPr>
+      <p:sp>
+        <p:nvSpPr>
+          <p:cNvPr id="6" name="TextBox 5"/>
+          <p:cNvSpPr txBox="1"/>
+          <p:nvPr/>
+        </p:nvSpPr>
+        <p:spPr>
+          <a:xfrm>
+            <a:off x="160712" y="152400"/>
+            <a:ext cx="4946932" cy="553998"/>
+          </a:xfrm>
+          <a:prstGeom prst="rect">
+            <a:avLst/>
+          </a:prstGeom>
+          <a:noFill/>
+        </p:spPr>
+        <p:txBody>
+          <a:bodyPr wrap="none" rtlCol="0">
+            <a:spAutoFit/>
+          </a:bodyPr>
+          <a:lstStyle/>
+          <a:p>
+            <a:r>
+              <a:rPr lang="ko-KR" altLang="en-US" sz="3000" dirty="0" err="1" smtClean="0"/>
+              <a:t>윈도우함수</a:t>
+            </a:r>
+            <a:r>
+              <a:rPr lang="en-US" altLang="ko-KR" sz="3000" dirty="0" smtClean="0"/>
+              <a:t>(WINDOW_AVG)</a:t>
+            </a:r>
+            <a:endParaRPr lang="en-US" altLang="ko-KR" sz="3000" dirty="0" smtClean="0"/>
+          </a:p>
+        </p:txBody>
+      </p:sp>
+      <p:sp>
+        <p:nvSpPr>
+          <p:cNvPr id="5" name="TextBox 4"/>
+          <p:cNvSpPr txBox="1"/>
+          <p:nvPr/>
+        </p:nvSpPr>
+        <p:spPr>
+          <a:xfrm>
+            <a:off x="160712" y="918202"/>
+            <a:ext cx="4017446" cy="738664"/>
+          </a:xfrm>
+          <a:prstGeom prst="rect">
+            <a:avLst/>
+          </a:prstGeom>
+          <a:noFill/>
+        </p:spPr>
+        <p:txBody>
+          <a:bodyPr wrap="none" rtlCol="0">
+            <a:spAutoFit/>
+          </a:bodyPr>
+          <a:lstStyle/>
+          <a:p>
+            <a:pPr marL="285750" indent="-285750">
+              <a:buFont typeface="Arial" panose="020B0604020202020204" pitchFamily="34" charset="0"/>
+              <a:buChar char="•"/>
+            </a:pPr>
+            <a:r>
+              <a:rPr lang="en-US" altLang="ko-KR" sz="1400" dirty="0" smtClean="0"/>
+              <a:t>0</a:t>
+            </a:r>
+            <a:r>
+              <a:rPr lang="ko-KR" altLang="en-US" sz="1400" dirty="0" smtClean="0"/>
+              <a:t>은 자기자신</a:t>
+            </a:r>
+            <a:endParaRPr lang="en-US" altLang="ko-KR" sz="1400" dirty="0" smtClean="0"/>
+          </a:p>
+          <a:p>
+            <a:pPr marL="285750" indent="-285750">
+              <a:buFont typeface="Arial" panose="020B0604020202020204" pitchFamily="34" charset="0"/>
+              <a:buChar char="•"/>
+            </a:pPr>
+            <a:r>
+              <a:rPr lang="ko-KR" altLang="en-US" sz="1400" dirty="0" smtClean="0"/>
+              <a:t>다른 숫자는 자신을 기준으로 상대적인 위치</a:t>
+            </a:r>
+            <a:endParaRPr lang="en-US" altLang="ko-KR" sz="1400" dirty="0" smtClean="0"/>
+          </a:p>
+          <a:p>
+            <a:pPr marL="285750" indent="-285750">
+              <a:buFont typeface="Arial" panose="020B0604020202020204" pitchFamily="34" charset="0"/>
+              <a:buChar char="•"/>
+            </a:pPr>
+            <a:r>
+              <a:rPr lang="ko-KR" altLang="en-US" sz="1400" dirty="0" smtClean="0"/>
+              <a:t>인덱스 번호라고 생각하자</a:t>
+            </a:r>
+            <a:endParaRPr lang="en-US" altLang="ko-KR" sz="1400" dirty="0" smtClean="0"/>
+          </a:p>
+        </p:txBody>
+      </p:sp>
+      <p:pic>
+        <p:nvPicPr>
+          <p:cNvPr id="7" name="그림 6"/>
+          <p:cNvPicPr>
+            <a:picLocks noChangeAspect="1"/>
+          </p:cNvPicPr>
+          <p:nvPr/>
+        </p:nvPicPr>
+        <p:blipFill>
+          <a:blip r:embed="rId2"/>
+          <a:stretch>
+            <a:fillRect/>
+          </a:stretch>
+        </p:blipFill>
+        <p:spPr>
+          <a:xfrm>
+            <a:off x="285402" y="1656866"/>
+            <a:ext cx="9001125" cy="3171825"/>
+          </a:xfrm>
+          <a:prstGeom prst="rect">
+            <a:avLst/>
+          </a:prstGeom>
+        </p:spPr>
+      </p:pic>
+    </p:spTree>
+    <p:extLst>
+      <p:ext uri="{BB962C8B-B14F-4D97-AF65-F5344CB8AC3E}">
+        <p14:creationId xmlns:p14="http://schemas.microsoft.com/office/powerpoint/2010/main" val="34060462"/>
+      </p:ext>
+    </p:extLst>
+  </p:cSld>
+  <p:clrMapOvr>
+    <a:masterClrMapping/>
+  </p:clrMapOvr>
+</p:sld>
+</file>
+
+<file path=ppt/slides/slide5.xml><?xml version="1.0" encoding="utf-8"?>
+<p:sld xmlns:a="http://schemas.openxmlformats.org/drawingml/2006/main" xmlns:r="http://schemas.openxmlformats.org/officeDocument/2006/relationships" xmlns:p="http://schemas.openxmlformats.org/presentationml/2006/main">
+  <p:cSld>
+    <p:spTree>
+      <p:nvGrpSpPr>
+        <p:cNvPr id="1" name=""/>
+        <p:cNvGrpSpPr/>
+        <p:nvPr/>
+      </p:nvGrpSpPr>
+      <p:grpSpPr>
+        <a:xfrm>
+          <a:off x="0" y="0"/>
+          <a:ext cx="0" cy="0"/>
+          <a:chOff x="0" y="0"/>
+          <a:chExt cx="0" cy="0"/>
+        </a:xfrm>
+      </p:grpSpPr>
+      <p:sp>
+        <p:nvSpPr>
+          <p:cNvPr id="6" name="TextBox 5"/>
+          <p:cNvSpPr txBox="1"/>
+          <p:nvPr/>
+        </p:nvSpPr>
+        <p:spPr>
+          <a:xfrm>
+            <a:off x="160712" y="152400"/>
+            <a:ext cx="4946932" cy="553998"/>
+          </a:xfrm>
+          <a:prstGeom prst="rect">
+            <a:avLst/>
+          </a:prstGeom>
+          <a:noFill/>
+        </p:spPr>
+        <p:txBody>
+          <a:bodyPr wrap="none" rtlCol="0">
+            <a:spAutoFit/>
+          </a:bodyPr>
+          <a:lstStyle/>
+          <a:p>
+            <a:r>
+              <a:rPr lang="ko-KR" altLang="en-US" sz="3000" dirty="0" err="1" smtClean="0"/>
+              <a:t>윈도우함수</a:t>
+            </a:r>
+            <a:r>
+              <a:rPr lang="en-US" altLang="ko-KR" sz="3000" dirty="0" smtClean="0"/>
+              <a:t>(WINDOW_AVG)</a:t>
+            </a:r>
+            <a:endParaRPr lang="en-US" altLang="ko-KR" sz="3000" dirty="0" smtClean="0"/>
+          </a:p>
+        </p:txBody>
+      </p:sp>
+      <p:sp>
+        <p:nvSpPr>
+          <p:cNvPr id="5" name="TextBox 4"/>
+          <p:cNvSpPr txBox="1"/>
+          <p:nvPr/>
+        </p:nvSpPr>
+        <p:spPr>
+          <a:xfrm>
+            <a:off x="160712" y="918202"/>
+            <a:ext cx="7156126" cy="523220"/>
+          </a:xfrm>
+          <a:prstGeom prst="rect">
+            <a:avLst/>
+          </a:prstGeom>
+          <a:noFill/>
+        </p:spPr>
+        <p:txBody>
+          <a:bodyPr wrap="none" rtlCol="0">
+            <a:spAutoFit/>
+          </a:bodyPr>
+          <a:lstStyle/>
+          <a:p>
+            <a:r>
+              <a:rPr lang="ko-KR" altLang="en-US" sz="1400" dirty="0" smtClean="0"/>
+              <a:t>범위를 지정했을 때 값이 없는 경우는 제외하고 있는 경우에만 평균을 계산하고 싶으면</a:t>
+            </a:r>
+            <a:endParaRPr lang="en-US" altLang="ko-KR" sz="1400" dirty="0" smtClean="0"/>
+          </a:p>
+          <a:p>
+            <a:r>
+              <a:rPr lang="en-US" altLang="ko-KR" sz="1400" dirty="0" smtClean="0"/>
+              <a:t>    </a:t>
+            </a:r>
+            <a:r>
+              <a:rPr lang="en-US" altLang="ko-KR" sz="1400" dirty="0" smtClean="0">
+                <a:sym typeface="Wingdings" panose="05000000000000000000" pitchFamily="2" charset="2"/>
+              </a:rPr>
+              <a:t></a:t>
+            </a:r>
+            <a:r>
+              <a:rPr lang="en-US" altLang="ko-KR" sz="1400" dirty="0" smtClean="0"/>
+              <a:t>IF </a:t>
+            </a:r>
+            <a:r>
+              <a:rPr lang="ko-KR" altLang="en-US" sz="1400" dirty="0" smtClean="0"/>
+              <a:t>함수를 이용해서 조건을 추가할 수 있음</a:t>
+            </a:r>
+            <a:endParaRPr lang="en-US" altLang="ko-KR" sz="1400" dirty="0" smtClean="0"/>
+          </a:p>
+        </p:txBody>
+      </p:sp>
+      <p:pic>
+        <p:nvPicPr>
+          <p:cNvPr id="7" name="그림 6"/>
+          <p:cNvPicPr>
+            <a:picLocks noChangeAspect="1"/>
+          </p:cNvPicPr>
+          <p:nvPr/>
+        </p:nvPicPr>
+        <p:blipFill>
+          <a:blip r:embed="rId2"/>
+          <a:stretch>
+            <a:fillRect/>
+          </a:stretch>
+        </p:blipFill>
+        <p:spPr>
+          <a:xfrm>
+            <a:off x="160712" y="1441422"/>
+            <a:ext cx="9010650" cy="3190875"/>
+          </a:xfrm>
+          <a:prstGeom prst="rect">
+            <a:avLst/>
+          </a:prstGeom>
+        </p:spPr>
+      </p:pic>
+    </p:spTree>
+    <p:extLst>
+      <p:ext uri="{BB962C8B-B14F-4D97-AF65-F5344CB8AC3E}">
+        <p14:creationId xmlns:p14="http://schemas.microsoft.com/office/powerpoint/2010/main" val="4069523294"/>
+      </p:ext>
+    </p:extLst>
+  </p:cSld>
+  <p:clrMapOvr>
+    <a:masterClrMapping/>
+  </p:clrMapOvr>
+</p:sld>
+</file>
+
+<file path=ppt/slides/slide6.xml><?xml version="1.0" encoding="utf-8"?>
+<p:sld xmlns:a="http://schemas.openxmlformats.org/drawingml/2006/main" xmlns:r="http://schemas.openxmlformats.org/officeDocument/2006/relationships" xmlns:p="http://schemas.openxmlformats.org/presentationml/2006/main">
+  <p:cSld>
+    <p:spTree>
+      <p:nvGrpSpPr>
+        <p:cNvPr id="1" name=""/>
+        <p:cNvGrpSpPr/>
+        <p:nvPr/>
+      </p:nvGrpSpPr>
+      <p:grpSpPr>
+        <a:xfrm>
+          <a:off x="0" y="0"/>
+          <a:ext cx="0" cy="0"/>
+          <a:chOff x="0" y="0"/>
+          <a:chExt cx="0" cy="0"/>
+        </a:xfrm>
+      </p:grpSpPr>
+      <p:sp>
+        <p:nvSpPr>
+          <p:cNvPr id="6" name="TextBox 5"/>
+          <p:cNvSpPr txBox="1"/>
+          <p:nvPr/>
+        </p:nvSpPr>
+        <p:spPr>
+          <a:xfrm>
+            <a:off x="160712" y="152400"/>
+            <a:ext cx="7390998" cy="553998"/>
+          </a:xfrm>
+          <a:prstGeom prst="rect">
+            <a:avLst/>
+          </a:prstGeom>
+          <a:noFill/>
+        </p:spPr>
+        <p:txBody>
+          <a:bodyPr wrap="none" rtlCol="0">
+            <a:spAutoFit/>
+          </a:bodyPr>
+          <a:lstStyle/>
+          <a:p>
+            <a:r>
+              <a:rPr lang="ko-KR" altLang="en-US" sz="3000" dirty="0" smtClean="0"/>
+              <a:t>데이터를 상대화</a:t>
+            </a:r>
+            <a:r>
+              <a:rPr lang="en-US" altLang="ko-KR" sz="3000" dirty="0" smtClean="0"/>
+              <a:t>(Normalized)</a:t>
+            </a:r>
+            <a:r>
+              <a:rPr lang="ko-KR" altLang="en-US" sz="3000" dirty="0" smtClean="0"/>
+              <a:t>시킬 때 </a:t>
+            </a:r>
+            <a:r>
+              <a:rPr lang="en-US" altLang="ko-KR" sz="3000" dirty="0" err="1" smtClean="0"/>
+              <a:t>ing</a:t>
+            </a:r>
+            <a:r>
+              <a:rPr lang="en-US" altLang="ko-KR" sz="3000" dirty="0" smtClean="0"/>
+              <a:t>..</a:t>
+            </a:r>
+            <a:endParaRPr lang="en-US" altLang="ko-KR" sz="3000" dirty="0" smtClean="0"/>
+          </a:p>
+        </p:txBody>
+      </p:sp>
+      <p:pic>
+        <p:nvPicPr>
+          <p:cNvPr id="8" name="그림 7"/>
+          <p:cNvPicPr>
+            <a:picLocks noChangeAspect="1"/>
+          </p:cNvPicPr>
+          <p:nvPr/>
+        </p:nvPicPr>
+        <p:blipFill>
+          <a:blip r:embed="rId2"/>
+          <a:stretch>
+            <a:fillRect/>
+          </a:stretch>
+        </p:blipFill>
+        <p:spPr>
+          <a:xfrm>
+            <a:off x="160712" y="944014"/>
+            <a:ext cx="8972550" cy="3257550"/>
+          </a:xfrm>
+          <a:prstGeom prst="rect">
+            <a:avLst/>
+          </a:prstGeom>
+        </p:spPr>
+      </p:pic>
+    </p:spTree>
+    <p:extLst>
+      <p:ext uri="{BB962C8B-B14F-4D97-AF65-F5344CB8AC3E}">
+        <p14:creationId xmlns:p14="http://schemas.microsoft.com/office/powerpoint/2010/main" val="562331829"/>
+      </p:ext>
+    </p:extLst>
+  </p:cSld>
+  <p:clrMapOvr>
+    <a:masterClrMapping/>
+  </p:clrMapOvr>
+</p:sld>
+</file>
+
+<file path=ppt/slides/slide7.xml><?xml version="1.0" encoding="utf-8"?>
+<p:sld xmlns:a="http://schemas.openxmlformats.org/drawingml/2006/main" xmlns:r="http://schemas.openxmlformats.org/officeDocument/2006/relationships" xmlns:p="http://schemas.openxmlformats.org/presentationml/2006/main">
+  <p:cSld>
+    <p:spTree>
+      <p:nvGrpSpPr>
+        <p:cNvPr id="1" name=""/>
+        <p:cNvGrpSpPr/>
+        <p:nvPr/>
+      </p:nvGrpSpPr>
+      <p:grpSpPr>
+        <a:xfrm>
+          <a:off x="0" y="0"/>
+          <a:ext cx="0" cy="0"/>
+          <a:chOff x="0" y="0"/>
+          <a:chExt cx="0" cy="0"/>
+        </a:xfrm>
+      </p:grpSpPr>
+      <p:sp>
+        <p:nvSpPr>
+          <p:cNvPr id="6" name="TextBox 5"/>
+          <p:cNvSpPr txBox="1"/>
+          <p:nvPr/>
+        </p:nvSpPr>
+        <p:spPr>
+          <a:xfrm>
+            <a:off x="160712" y="152400"/>
+            <a:ext cx="7390998" cy="553998"/>
+          </a:xfrm>
+          <a:prstGeom prst="rect">
+            <a:avLst/>
+          </a:prstGeom>
+          <a:noFill/>
+        </p:spPr>
+        <p:txBody>
+          <a:bodyPr wrap="none" rtlCol="0">
+            <a:spAutoFit/>
+          </a:bodyPr>
+          <a:lstStyle/>
+          <a:p>
+            <a:r>
+              <a:rPr lang="ko-KR" altLang="en-US" sz="3000" dirty="0" smtClean="0"/>
+              <a:t>데이터를 상대화</a:t>
+            </a:r>
+            <a:r>
+              <a:rPr lang="en-US" altLang="ko-KR" sz="3000" dirty="0" smtClean="0"/>
+              <a:t>(Normalized)</a:t>
+            </a:r>
+            <a:r>
+              <a:rPr lang="ko-KR" altLang="en-US" sz="3000" dirty="0" smtClean="0"/>
+              <a:t>시킬 때 </a:t>
+            </a:r>
+            <a:r>
+              <a:rPr lang="en-US" altLang="ko-KR" sz="3000" dirty="0" err="1"/>
+              <a:t>ing</a:t>
+            </a:r>
+            <a:r>
+              <a:rPr lang="en-US" altLang="ko-KR" sz="3000" dirty="0"/>
+              <a:t>..</a:t>
+            </a:r>
+            <a:endParaRPr lang="en-US" altLang="ko-KR" sz="3000" dirty="0" smtClean="0"/>
+          </a:p>
+        </p:txBody>
+      </p:sp>
+      <p:pic>
+        <p:nvPicPr>
+          <p:cNvPr id="2" name="그림 1"/>
+          <p:cNvPicPr>
+            <a:picLocks noChangeAspect="1"/>
+          </p:cNvPicPr>
+          <p:nvPr/>
+        </p:nvPicPr>
+        <p:blipFill>
+          <a:blip r:embed="rId2"/>
+          <a:stretch>
+            <a:fillRect/>
+          </a:stretch>
+        </p:blipFill>
+        <p:spPr>
+          <a:xfrm>
+            <a:off x="160712" y="847591"/>
+            <a:ext cx="10695710" cy="6010449"/>
+          </a:xfrm>
+          <a:prstGeom prst="rect">
+            <a:avLst/>
+          </a:prstGeom>
+        </p:spPr>
+      </p:pic>
+    </p:spTree>
+    <p:extLst>
+      <p:ext uri="{BB962C8B-B14F-4D97-AF65-F5344CB8AC3E}">
+        <p14:creationId xmlns:p14="http://schemas.microsoft.com/office/powerpoint/2010/main" val="72044831"/>
+      </p:ext>
+    </p:extLst>
+  </p:cSld>
+  <p:clrMapOvr>
+    <a:masterClrMapping/>
+  </p:clrMapOvr>
+</p:sld>
+</file>
+
+<file path=ppt/slides/slide8.xml><?xml version="1.0" encoding="utf-8"?>
+<p:sld xmlns:a="http://schemas.openxmlformats.org/drawingml/2006/main" xmlns:r="http://schemas.openxmlformats.org/officeDocument/2006/relationships" xmlns:p="http://schemas.openxmlformats.org/presentationml/2006/main">
+  <p:cSld>
+    <p:spTree>
+      <p:nvGrpSpPr>
+        <p:cNvPr id="1" name=""/>
+        <p:cNvGrpSpPr/>
+        <p:nvPr/>
+      </p:nvGrpSpPr>
+      <p:grpSpPr>
+        <a:xfrm>
+          <a:off x="0" y="0"/>
+          <a:ext cx="0" cy="0"/>
+          <a:chOff x="0" y="0"/>
+          <a:chExt cx="0" cy="0"/>
+        </a:xfrm>
+      </p:grpSpPr>
+      <p:sp>
+        <p:nvSpPr>
+          <p:cNvPr id="6" name="TextBox 5"/>
+          <p:cNvSpPr txBox="1"/>
+          <p:nvPr/>
+        </p:nvSpPr>
+        <p:spPr>
+          <a:xfrm>
+            <a:off x="160712" y="152400"/>
+            <a:ext cx="6044603" cy="4339650"/>
+          </a:xfrm>
+          <a:prstGeom prst="rect">
+            <a:avLst/>
+          </a:prstGeom>
+          <a:noFill/>
+        </p:spPr>
+        <p:txBody>
+          <a:bodyPr wrap="none" rtlCol="0">
+            <a:spAutoFit/>
+          </a:bodyPr>
+          <a:lstStyle/>
+          <a:p>
+            <a:r>
+              <a:rPr lang="en-US" altLang="ko-KR" sz="3000" dirty="0" smtClean="0"/>
+              <a:t>VLOD(View Level Of Detail)</a:t>
+            </a:r>
+          </a:p>
+          <a:p>
+            <a:r>
+              <a:rPr lang="en-US" altLang="ko-KR" sz="1400" dirty="0" smtClean="0"/>
+              <a:t>!!! </a:t>
+            </a:r>
+            <a:r>
+              <a:rPr lang="ko-KR" altLang="en-US" sz="1400" dirty="0" smtClean="0"/>
+              <a:t>모든 측정값은 </a:t>
+            </a:r>
+            <a:r>
+              <a:rPr lang="en-US" altLang="ko-KR" sz="1400" dirty="0" smtClean="0"/>
+              <a:t>VLOD</a:t>
+            </a:r>
+            <a:r>
+              <a:rPr lang="ko-KR" altLang="en-US" sz="1400" dirty="0" smtClean="0"/>
+              <a:t>에서 집계되고 표현된다</a:t>
+            </a:r>
+            <a:endParaRPr lang="en-US" altLang="ko-KR" sz="1400" dirty="0" smtClean="0"/>
+          </a:p>
+          <a:p>
+            <a:endParaRPr lang="en-US" altLang="ko-KR" sz="1400" dirty="0"/>
+          </a:p>
+          <a:p>
+            <a:r>
+              <a:rPr lang="en-US" altLang="ko-KR" dirty="0" err="1" smtClean="0"/>
+              <a:t>Systax</a:t>
+            </a:r>
+            <a:r>
+              <a:rPr lang="en-US" altLang="ko-KR" dirty="0"/>
+              <a:t> </a:t>
+            </a:r>
+            <a:r>
+              <a:rPr lang="en-US" altLang="ko-KR" dirty="0" smtClean="0"/>
+              <a:t>for LOD Expressions</a:t>
+            </a:r>
+          </a:p>
+          <a:p>
+            <a:r>
+              <a:rPr lang="en-US" altLang="ko-KR" dirty="0" smtClean="0"/>
+              <a:t>{</a:t>
+            </a:r>
+            <a:r>
+              <a:rPr lang="ko-KR" altLang="en-US" dirty="0" smtClean="0"/>
+              <a:t>①</a:t>
+            </a:r>
+            <a:r>
+              <a:rPr lang="en-US" altLang="ko-KR" dirty="0" smtClean="0">
+                <a:solidFill>
+                  <a:srgbClr val="FF0000"/>
+                </a:solidFill>
+              </a:rPr>
+              <a:t>Include </a:t>
+            </a:r>
+            <a:r>
+              <a:rPr lang="ko-KR" altLang="en-US" dirty="0" smtClean="0"/>
+              <a:t>②</a:t>
+            </a:r>
+            <a:r>
+              <a:rPr lang="en-US" altLang="ko-KR" dirty="0" smtClean="0">
+                <a:solidFill>
+                  <a:srgbClr val="FF0000"/>
+                </a:solidFill>
+              </a:rPr>
+              <a:t>[</a:t>
+            </a:r>
+            <a:r>
+              <a:rPr lang="ko-KR" altLang="en-US" dirty="0" smtClean="0">
+                <a:solidFill>
+                  <a:srgbClr val="FF0000"/>
+                </a:solidFill>
+              </a:rPr>
+              <a:t>차원</a:t>
+            </a:r>
+            <a:r>
+              <a:rPr lang="en-US" altLang="ko-KR" dirty="0" smtClean="0">
+                <a:solidFill>
+                  <a:srgbClr val="FF0000"/>
+                </a:solidFill>
+              </a:rPr>
+              <a:t>1], [</a:t>
+            </a:r>
+            <a:r>
+              <a:rPr lang="ko-KR" altLang="en-US" dirty="0" smtClean="0">
+                <a:solidFill>
+                  <a:srgbClr val="FF0000"/>
+                </a:solidFill>
+              </a:rPr>
+              <a:t>차원</a:t>
+            </a:r>
+            <a:r>
+              <a:rPr lang="en-US" altLang="ko-KR" dirty="0" smtClean="0">
+                <a:solidFill>
+                  <a:srgbClr val="FF0000"/>
+                </a:solidFill>
+              </a:rPr>
+              <a:t>2]</a:t>
+            </a:r>
+            <a:r>
+              <a:rPr lang="en-US" altLang="ko-KR" dirty="0" smtClean="0"/>
+              <a:t>: </a:t>
+            </a:r>
+            <a:r>
+              <a:rPr lang="ko-KR" altLang="en-US" dirty="0" smtClean="0"/>
+              <a:t>③</a:t>
+            </a:r>
+            <a:r>
+              <a:rPr lang="en-US" altLang="ko-KR" dirty="0" smtClean="0">
+                <a:solidFill>
+                  <a:srgbClr val="FF0000"/>
+                </a:solidFill>
+              </a:rPr>
+              <a:t>sum([</a:t>
+            </a:r>
+            <a:r>
+              <a:rPr lang="ko-KR" altLang="en-US" dirty="0" smtClean="0">
+                <a:solidFill>
+                  <a:srgbClr val="FF0000"/>
+                </a:solidFill>
+              </a:rPr>
+              <a:t>측정값</a:t>
+            </a:r>
+            <a:r>
+              <a:rPr lang="en-US" altLang="ko-KR" dirty="0" smtClean="0">
+                <a:solidFill>
+                  <a:srgbClr val="FF0000"/>
+                </a:solidFill>
+              </a:rPr>
+              <a:t>])</a:t>
+            </a:r>
+            <a:r>
+              <a:rPr lang="en-US" altLang="ko-KR" dirty="0" smtClean="0"/>
+              <a:t> }</a:t>
+            </a:r>
+          </a:p>
+          <a:p>
+            <a:endParaRPr lang="en-US" altLang="ko-KR" sz="1400" dirty="0" smtClean="0"/>
+          </a:p>
+          <a:p>
+            <a:endParaRPr lang="en-US" altLang="ko-KR" sz="1400" dirty="0"/>
+          </a:p>
+          <a:p>
+            <a:endParaRPr lang="en-US" altLang="ko-KR" sz="1400" dirty="0"/>
+          </a:p>
+          <a:p>
+            <a:r>
+              <a:rPr lang="ko-KR" altLang="en-US" sz="1400" dirty="0" smtClean="0"/>
+              <a:t>①</a:t>
+            </a:r>
+            <a:endParaRPr lang="en-US" altLang="ko-KR" sz="1400" dirty="0" smtClean="0"/>
+          </a:p>
+          <a:p>
+            <a:r>
+              <a:rPr lang="en-US" altLang="ko-KR" sz="1400" dirty="0" smtClean="0"/>
+              <a:t>VLOD</a:t>
+            </a:r>
+            <a:r>
+              <a:rPr lang="ko-KR" altLang="en-US" sz="1400" dirty="0" smtClean="0"/>
+              <a:t>에 포함되지 않은 특정 차원을 포함하고 싶을 때</a:t>
+            </a:r>
+            <a:r>
+              <a:rPr lang="en-US" altLang="ko-KR" sz="1400" dirty="0" smtClean="0"/>
+              <a:t>&gt;&gt; Include</a:t>
+            </a:r>
+          </a:p>
+          <a:p>
+            <a:r>
+              <a:rPr lang="en-US" altLang="ko-KR" sz="1400" dirty="0" smtClean="0"/>
+              <a:t>VLOD</a:t>
+            </a:r>
+            <a:r>
+              <a:rPr lang="ko-KR" altLang="en-US" sz="1400" dirty="0" smtClean="0"/>
+              <a:t>에 포함된 특정 차원을 제외하고 싶을 때</a:t>
+            </a:r>
+            <a:r>
+              <a:rPr lang="en-US" altLang="ko-KR" sz="1400" dirty="0" smtClean="0"/>
+              <a:t>&gt;&gt; Exclude</a:t>
+            </a:r>
+          </a:p>
+          <a:p>
+            <a:r>
+              <a:rPr lang="en-US" altLang="ko-KR" sz="1400" dirty="0" smtClean="0"/>
+              <a:t>VLOD</a:t>
+            </a:r>
+            <a:r>
+              <a:rPr lang="ko-KR" altLang="en-US" sz="1400" dirty="0" smtClean="0"/>
+              <a:t>에 상관 없이 특정 차원을 고정하고 싶을 때</a:t>
+            </a:r>
+            <a:r>
+              <a:rPr lang="en-US" altLang="ko-KR" sz="1400" dirty="0" smtClean="0"/>
+              <a:t>&gt;&gt; Fixed</a:t>
+            </a:r>
+          </a:p>
+          <a:p>
+            <a:endParaRPr lang="en-US" altLang="ko-KR" sz="1400" dirty="0" smtClean="0"/>
+          </a:p>
+          <a:p>
+            <a:r>
+              <a:rPr lang="ko-KR" altLang="en-US" sz="1400" dirty="0" smtClean="0"/>
+              <a:t>②</a:t>
+            </a:r>
+            <a:endParaRPr lang="en-US" altLang="ko-KR" sz="1400" dirty="0" smtClean="0"/>
+          </a:p>
+          <a:p>
+            <a:r>
+              <a:rPr lang="ko-KR" altLang="en-US" sz="1400" dirty="0" smtClean="0"/>
+              <a:t>여러 개의 차원을 사용할 경우 쉼표</a:t>
+            </a:r>
+            <a:r>
+              <a:rPr lang="en-US" altLang="ko-KR" sz="1400" dirty="0" smtClean="0"/>
+              <a:t>(,)</a:t>
+            </a:r>
+            <a:r>
+              <a:rPr lang="ko-KR" altLang="en-US" sz="1400" dirty="0" smtClean="0"/>
+              <a:t>로 구분</a:t>
+            </a:r>
+            <a:endParaRPr lang="en-US" altLang="ko-KR" sz="1400" dirty="0" smtClean="0"/>
+          </a:p>
+          <a:p>
+            <a:endParaRPr lang="en-US" altLang="ko-KR" sz="1400" dirty="0"/>
+          </a:p>
+          <a:p>
+            <a:r>
+              <a:rPr lang="ko-KR" altLang="en-US" sz="1400" dirty="0" smtClean="0"/>
+              <a:t>③</a:t>
+            </a:r>
+            <a:endParaRPr lang="en-US" altLang="ko-KR" sz="1400" dirty="0" smtClean="0"/>
+          </a:p>
+          <a:p>
+            <a:r>
+              <a:rPr lang="ko-KR" altLang="en-US" sz="1400" dirty="0" smtClean="0"/>
+              <a:t>반드시 </a:t>
+            </a:r>
+            <a:r>
+              <a:rPr lang="ko-KR" altLang="en-US" sz="1400" dirty="0" err="1" smtClean="0"/>
+              <a:t>집계값이</a:t>
+            </a:r>
+            <a:r>
+              <a:rPr lang="ko-KR" altLang="en-US" sz="1400" dirty="0" smtClean="0"/>
+              <a:t> 사용되어야 하며</a:t>
+            </a:r>
+            <a:r>
+              <a:rPr lang="en-US" altLang="ko-KR" sz="1400" dirty="0" smtClean="0"/>
+              <a:t>, ATTR </a:t>
+            </a:r>
+            <a:r>
+              <a:rPr lang="ko-KR" altLang="en-US" sz="1400" dirty="0" smtClean="0"/>
+              <a:t>또는 테이블 계산식은 사용 불가</a:t>
+            </a:r>
+            <a:endParaRPr lang="en-US" altLang="ko-KR" sz="1400" dirty="0" smtClean="0"/>
+          </a:p>
+        </p:txBody>
+      </p:sp>
+    </p:spTree>
+    <p:extLst>
+      <p:ext uri="{BB962C8B-B14F-4D97-AF65-F5344CB8AC3E}">
+        <p14:creationId xmlns:p14="http://schemas.microsoft.com/office/powerpoint/2010/main" val="65795077"/>
+      </p:ext>
+    </p:extLst>
+  </p:cSld>
+  <p:clrMapOvr>
+    <a:masterClrMapping/>
+  </p:clrMapOvr>
+</p:sld>
+</file>
+
+<file path=ppt/slides/slide9.xml><?xml version="1.0" encoding="utf-8"?>
+<p:sld xmlns:a="http://schemas.openxmlformats.org/drawingml/2006/main" xmlns:r="http://schemas.openxmlformats.org/officeDocument/2006/relationships" xmlns:p="http://schemas.openxmlformats.org/presentationml/2006/main">
+  <p:cSld>
+    <p:spTree>
+      <p:nvGrpSpPr>
+        <p:cNvPr id="1" name=""/>
+        <p:cNvGrpSpPr/>
+        <p:nvPr/>
+      </p:nvGrpSpPr>
+      <p:grpSpPr>
+        <a:xfrm>
+          <a:off x="0" y="0"/>
+          <a:ext cx="0" cy="0"/>
+          <a:chOff x="0" y="0"/>
+          <a:chExt cx="0" cy="0"/>
+        </a:xfrm>
+      </p:grpSpPr>
+      <p:sp>
+        <p:nvSpPr>
+          <p:cNvPr id="6" name="TextBox 5"/>
+          <p:cNvSpPr txBox="1"/>
+          <p:nvPr/>
+        </p:nvSpPr>
+        <p:spPr>
+          <a:xfrm>
+            <a:off x="160712" y="152400"/>
+            <a:ext cx="6044603" cy="4339650"/>
+          </a:xfrm>
+          <a:prstGeom prst="rect">
+            <a:avLst/>
+          </a:prstGeom>
+          <a:noFill/>
+        </p:spPr>
+        <p:txBody>
+          <a:bodyPr wrap="none" rtlCol="0">
+            <a:spAutoFit/>
+          </a:bodyPr>
+          <a:lstStyle/>
+          <a:p>
+            <a:r>
+              <a:rPr lang="en-US" altLang="ko-KR" sz="3000" dirty="0" smtClean="0"/>
+              <a:t>VLOD(View Level Of Detail)</a:t>
+            </a:r>
+          </a:p>
+          <a:p>
+            <a:r>
+              <a:rPr lang="en-US" altLang="ko-KR" sz="1400" dirty="0" smtClean="0"/>
+              <a:t>!!! </a:t>
+            </a:r>
+            <a:r>
+              <a:rPr lang="ko-KR" altLang="en-US" sz="1400" dirty="0" smtClean="0"/>
+              <a:t>모든 측정값은 </a:t>
+            </a:r>
+            <a:r>
+              <a:rPr lang="en-US" altLang="ko-KR" sz="1400" dirty="0" smtClean="0"/>
+              <a:t>VLOD</a:t>
+            </a:r>
+            <a:r>
+              <a:rPr lang="ko-KR" altLang="en-US" sz="1400" dirty="0" smtClean="0"/>
+              <a:t>에서 집계되고 표현된다</a:t>
+            </a:r>
+            <a:endParaRPr lang="en-US" altLang="ko-KR" sz="1400" dirty="0" smtClean="0"/>
+          </a:p>
+          <a:p>
+            <a:endParaRPr lang="en-US" altLang="ko-KR" sz="1400" dirty="0"/>
+          </a:p>
+          <a:p>
+            <a:r>
+              <a:rPr lang="en-US" altLang="ko-KR" dirty="0" err="1" smtClean="0"/>
+              <a:t>Systax</a:t>
+            </a:r>
+            <a:r>
+              <a:rPr lang="en-US" altLang="ko-KR" dirty="0"/>
+              <a:t> </a:t>
+            </a:r>
+            <a:r>
+              <a:rPr lang="en-US" altLang="ko-KR" dirty="0" smtClean="0"/>
+              <a:t>for LOD Expressions</a:t>
+            </a:r>
+          </a:p>
+          <a:p>
+            <a:r>
+              <a:rPr lang="en-US" altLang="ko-KR" dirty="0" smtClean="0"/>
+              <a:t>{</a:t>
+            </a:r>
+            <a:r>
+              <a:rPr lang="ko-KR" altLang="en-US" dirty="0" smtClean="0"/>
+              <a:t>①</a:t>
+            </a:r>
+            <a:r>
+              <a:rPr lang="en-US" altLang="ko-KR" dirty="0" smtClean="0">
+                <a:solidFill>
+                  <a:srgbClr val="FF0000"/>
+                </a:solidFill>
+              </a:rPr>
+              <a:t>Include </a:t>
+            </a:r>
+            <a:r>
+              <a:rPr lang="ko-KR" altLang="en-US" dirty="0" smtClean="0"/>
+              <a:t>②</a:t>
+            </a:r>
+            <a:r>
+              <a:rPr lang="en-US" altLang="ko-KR" dirty="0" smtClean="0">
+                <a:solidFill>
+                  <a:srgbClr val="FF0000"/>
+                </a:solidFill>
+              </a:rPr>
+              <a:t>[</a:t>
+            </a:r>
+            <a:r>
+              <a:rPr lang="ko-KR" altLang="en-US" dirty="0" smtClean="0">
+                <a:solidFill>
+                  <a:srgbClr val="FF0000"/>
+                </a:solidFill>
+              </a:rPr>
+              <a:t>차원</a:t>
+            </a:r>
+            <a:r>
+              <a:rPr lang="en-US" altLang="ko-KR" dirty="0" smtClean="0">
+                <a:solidFill>
+                  <a:srgbClr val="FF0000"/>
+                </a:solidFill>
+              </a:rPr>
+              <a:t>1], [</a:t>
+            </a:r>
+            <a:r>
+              <a:rPr lang="ko-KR" altLang="en-US" dirty="0" smtClean="0">
+                <a:solidFill>
+                  <a:srgbClr val="FF0000"/>
+                </a:solidFill>
+              </a:rPr>
+              <a:t>차원</a:t>
+            </a:r>
+            <a:r>
+              <a:rPr lang="en-US" altLang="ko-KR" dirty="0" smtClean="0">
+                <a:solidFill>
+                  <a:srgbClr val="FF0000"/>
+                </a:solidFill>
+              </a:rPr>
+              <a:t>2]</a:t>
+            </a:r>
+            <a:r>
+              <a:rPr lang="en-US" altLang="ko-KR" dirty="0" smtClean="0"/>
+              <a:t>: </a:t>
+            </a:r>
+            <a:r>
+              <a:rPr lang="ko-KR" altLang="en-US" dirty="0" smtClean="0"/>
+              <a:t>③</a:t>
+            </a:r>
+            <a:r>
+              <a:rPr lang="en-US" altLang="ko-KR" dirty="0" smtClean="0">
+                <a:solidFill>
+                  <a:srgbClr val="FF0000"/>
+                </a:solidFill>
+              </a:rPr>
+              <a:t>sum([</a:t>
+            </a:r>
+            <a:r>
+              <a:rPr lang="ko-KR" altLang="en-US" dirty="0" smtClean="0">
+                <a:solidFill>
+                  <a:srgbClr val="FF0000"/>
+                </a:solidFill>
+              </a:rPr>
+              <a:t>측정값</a:t>
+            </a:r>
+            <a:r>
+              <a:rPr lang="en-US" altLang="ko-KR" dirty="0" smtClean="0">
+                <a:solidFill>
+                  <a:srgbClr val="FF0000"/>
+                </a:solidFill>
+              </a:rPr>
+              <a:t>])</a:t>
+            </a:r>
+            <a:r>
+              <a:rPr lang="en-US" altLang="ko-KR" dirty="0" smtClean="0"/>
+              <a:t> }</a:t>
+            </a:r>
+          </a:p>
+          <a:p>
+            <a:endParaRPr lang="en-US" altLang="ko-KR" sz="1400" dirty="0" smtClean="0"/>
+          </a:p>
+          <a:p>
+            <a:endParaRPr lang="en-US" altLang="ko-KR" sz="1400" dirty="0"/>
+          </a:p>
+          <a:p>
+            <a:endParaRPr lang="en-US" altLang="ko-KR" sz="1400" dirty="0"/>
+          </a:p>
+          <a:p>
+            <a:r>
+              <a:rPr lang="ko-KR" altLang="en-US" sz="1400" dirty="0" smtClean="0"/>
+              <a:t>①</a:t>
+            </a:r>
+            <a:endParaRPr lang="en-US" altLang="ko-KR" sz="1400" dirty="0" smtClean="0"/>
+          </a:p>
+          <a:p>
+            <a:r>
+              <a:rPr lang="en-US" altLang="ko-KR" sz="1400" dirty="0" smtClean="0"/>
+              <a:t>VLOD</a:t>
+            </a:r>
+            <a:r>
+              <a:rPr lang="ko-KR" altLang="en-US" sz="1400" dirty="0" smtClean="0"/>
+              <a:t>에 포함되지 않은 특정 차원을 포함하고 싶을 때</a:t>
+            </a:r>
+            <a:r>
+              <a:rPr lang="en-US" altLang="ko-KR" sz="1400" dirty="0" smtClean="0"/>
+              <a:t>&gt;&gt; Include</a:t>
+            </a:r>
+          </a:p>
+          <a:p>
+            <a:r>
+              <a:rPr lang="en-US" altLang="ko-KR" sz="1400" dirty="0" smtClean="0"/>
+              <a:t>VLOD</a:t>
+            </a:r>
+            <a:r>
+              <a:rPr lang="ko-KR" altLang="en-US" sz="1400" dirty="0" smtClean="0"/>
+              <a:t>에 포함된 특정 차원을 제외하고 싶을 때</a:t>
+            </a:r>
+            <a:r>
+              <a:rPr lang="en-US" altLang="ko-KR" sz="1400" dirty="0" smtClean="0"/>
+              <a:t>&gt;&gt; Exclude</a:t>
+            </a:r>
+          </a:p>
+          <a:p>
+            <a:r>
+              <a:rPr lang="en-US" altLang="ko-KR" sz="1400" dirty="0" smtClean="0"/>
+              <a:t>VLOD</a:t>
+            </a:r>
+            <a:r>
+              <a:rPr lang="ko-KR" altLang="en-US" sz="1400" dirty="0" smtClean="0"/>
+              <a:t>에 상관 없이 특정 차원을 고정하고 싶을 때</a:t>
+            </a:r>
+            <a:r>
+              <a:rPr lang="en-US" altLang="ko-KR" sz="1400" dirty="0" smtClean="0"/>
+              <a:t>&gt;&gt; Fixed</a:t>
+            </a:r>
+          </a:p>
+          <a:p>
+            <a:endParaRPr lang="en-US" altLang="ko-KR" sz="1400" dirty="0" smtClean="0"/>
+          </a:p>
+          <a:p>
+            <a:r>
+              <a:rPr lang="ko-KR" altLang="en-US" sz="1400" dirty="0" smtClean="0"/>
+              <a:t>②</a:t>
+            </a:r>
+            <a:endParaRPr lang="en-US" altLang="ko-KR" sz="1400" dirty="0" smtClean="0"/>
+          </a:p>
+          <a:p>
+            <a:r>
+              <a:rPr lang="ko-KR" altLang="en-US" sz="1400" dirty="0" smtClean="0"/>
+              <a:t>여러 개의 차원을 사용할 경우 쉼표</a:t>
+            </a:r>
+            <a:r>
+              <a:rPr lang="en-US" altLang="ko-KR" sz="1400" dirty="0" smtClean="0"/>
+              <a:t>(,)</a:t>
+            </a:r>
+            <a:r>
+              <a:rPr lang="ko-KR" altLang="en-US" sz="1400" dirty="0" smtClean="0"/>
+              <a:t>로 구분</a:t>
+            </a:r>
+            <a:endParaRPr lang="en-US" altLang="ko-KR" sz="1400" dirty="0" smtClean="0"/>
+          </a:p>
+          <a:p>
+            <a:endParaRPr lang="en-US" altLang="ko-KR" sz="1400" dirty="0"/>
+          </a:p>
+          <a:p>
+            <a:r>
+              <a:rPr lang="ko-KR" altLang="en-US" sz="1400" dirty="0" smtClean="0"/>
+              <a:t>③</a:t>
+            </a:r>
+            <a:endParaRPr lang="en-US" altLang="ko-KR" sz="1400" dirty="0" smtClean="0"/>
+          </a:p>
+          <a:p>
+            <a:r>
+              <a:rPr lang="ko-KR" altLang="en-US" sz="1400" dirty="0" smtClean="0"/>
+              <a:t>반드시 </a:t>
+            </a:r>
+            <a:r>
+              <a:rPr lang="ko-KR" altLang="en-US" sz="1400" dirty="0" err="1" smtClean="0"/>
+              <a:t>집계값이</a:t>
+            </a:r>
+            <a:r>
+              <a:rPr lang="ko-KR" altLang="en-US" sz="1400" dirty="0" smtClean="0"/>
+              <a:t> 사용되어야 하며</a:t>
+            </a:r>
+            <a:r>
+              <a:rPr lang="en-US" altLang="ko-KR" sz="1400" dirty="0" smtClean="0"/>
+              <a:t>, ATTR </a:t>
+            </a:r>
+            <a:r>
+              <a:rPr lang="ko-KR" altLang="en-US" sz="1400" dirty="0" smtClean="0"/>
+              <a:t>또는 테이블 계산식은 사용 불가</a:t>
+            </a:r>
+            <a:endParaRPr lang="en-US" altLang="ko-KR" sz="1400" dirty="0" smtClean="0"/>
+          </a:p>
+        </p:txBody>
+      </p:sp>
+    </p:spTree>
+    <p:extLst>
+      <p:ext uri="{BB962C8B-B14F-4D97-AF65-F5344CB8AC3E}">
+        <p14:creationId xmlns:p14="http://schemas.microsoft.com/office/powerpoint/2010/main" val="3936442301"/>
+      </p:ext>
+    </p:extLst>
+  </p:cSld>
+  <p:clrMapOvr>
+    <a:masterClrMapping/>
+  </p:clrMapOvr>
+</p:sld>
+</file>
+
 <file path=ppt/theme/theme1.xml><?xml version="1.0" encoding="utf-8"?>
 <a:theme xmlns:a="http://schemas.openxmlformats.org/drawingml/2006/main" name="Office 테마">
   <a:themeElements>
